--- a/Heart Disease Prediction Using Logistic Regression.pptx
+++ b/Heart Disease Prediction Using Logistic Regression.pptx
@@ -11877,13 +11877,13 @@
               <a:rPr lang="en-US" altLang="en-US" b="1" dirty="0">
                 <a:latin typeface="Aptos Narrow" panose="020B0004020202020204" pitchFamily="34" charset="0"/>
               </a:rPr>
-              <a:t>Other ML models like Random Forest or </a:t>
+              <a:t>Other ML models like Random </a:t>
             </a:r>
             <a:r>
-              <a:rPr lang="en-US" altLang="en-US" b="1" dirty="0" err="1">
+              <a:rPr lang="en-US" altLang="en-US" b="1">
                 <a:latin typeface="Aptos Narrow" panose="020B0004020202020204" pitchFamily="34" charset="0"/>
               </a:rPr>
-              <a:t>XGBoost</a:t>
+              <a:t>Forest </a:t>
             </a:r>
             <a:endParaRPr lang="en-US" altLang="en-US" b="1" dirty="0">
               <a:latin typeface="Aptos Narrow" panose="020B0004020202020204" pitchFamily="34" charset="0"/>
